--- a/ppt 16-9/1352.以色列人被掳的.pptx
+++ b/ppt 16-9/1352.以色列人被掳的.pptx
@@ -5,7 +5,7 @@
     <p:sldMasterId id="2147483648" r:id="rId1"/>
   </p:sldMasterIdLst>
   <p:sldIdLst>
-    <p:sldId id="915" r:id="rId2"/>
+    <p:sldId id="916" r:id="rId2"/>
   </p:sldIdLst>
   <p:sldSz cx="12192000" cy="6858000"/>
   <p:notesSz cx="6858000" cy="9144000"/>
@@ -129,7 +129,7 @@
           <p:cNvPr id="2" name="标题 1">
             <a:extLst>
               <a:ext uri="{FF2B5EF4-FFF2-40B4-BE49-F238E27FC236}">
-                <a16:creationId xmlns:a16="http://schemas.microsoft.com/office/drawing/2014/main" id="{D986E6AD-C4CA-B137-E601-B9EFEB6806F3}"/>
+                <a16:creationId xmlns:a16="http://schemas.microsoft.com/office/drawing/2014/main" id="{B7F513F7-2BB4-F79F-9D64-2A3C603ACA68}"/>
               </a:ext>
             </a:extLst>
           </p:cNvPr>
@@ -166,7 +166,7 @@
           <p:cNvPr id="3" name="副标题 2">
             <a:extLst>
               <a:ext uri="{FF2B5EF4-FFF2-40B4-BE49-F238E27FC236}">
-                <a16:creationId xmlns:a16="http://schemas.microsoft.com/office/drawing/2014/main" id="{E8769E06-97D6-B767-9624-D4948C6D9E3E}"/>
+                <a16:creationId xmlns:a16="http://schemas.microsoft.com/office/drawing/2014/main" id="{C2E68533-51BC-F1D8-17B7-821F06FAF3EF}"/>
               </a:ext>
             </a:extLst>
           </p:cNvPr>
@@ -236,7 +236,7 @@
           <p:cNvPr id="4" name="日期占位符 3">
             <a:extLst>
               <a:ext uri="{FF2B5EF4-FFF2-40B4-BE49-F238E27FC236}">
-                <a16:creationId xmlns:a16="http://schemas.microsoft.com/office/drawing/2014/main" id="{FA3CC1E9-4B15-B2D9-CA1E-38D564A3DB16}"/>
+                <a16:creationId xmlns:a16="http://schemas.microsoft.com/office/drawing/2014/main" id="{B56A2E17-4711-3FD4-094B-6F7C55B86596}"/>
               </a:ext>
             </a:extLst>
           </p:cNvPr>
@@ -252,7 +252,7 @@
           <a:bodyPr/>
           <a:lstStyle/>
           <a:p>
-            <a:fld id="{E572CB38-9B5E-46D9-AC31-16C69DF3F7BF}" type="datetimeFigureOut">
+            <a:fld id="{8FC9776C-5814-4414-A7BF-274DA4F6A0FD}" type="datetimeFigureOut">
               <a:rPr lang="zh-CN" altLang="en-US" smtClean="0"/>
               <a:t>2024/3/10</a:t>
             </a:fld>
@@ -265,7 +265,7 @@
           <p:cNvPr id="5" name="页脚占位符 4">
             <a:extLst>
               <a:ext uri="{FF2B5EF4-FFF2-40B4-BE49-F238E27FC236}">
-                <a16:creationId xmlns:a16="http://schemas.microsoft.com/office/drawing/2014/main" id="{FB8606E6-3F86-A65A-40D0-38C9822117D2}"/>
+                <a16:creationId xmlns:a16="http://schemas.microsoft.com/office/drawing/2014/main" id="{2458A02B-C7E0-D065-1685-7B6DDECB93F6}"/>
               </a:ext>
             </a:extLst>
           </p:cNvPr>
@@ -290,7 +290,7 @@
           <p:cNvPr id="6" name="灯片编号占位符 5">
             <a:extLst>
               <a:ext uri="{FF2B5EF4-FFF2-40B4-BE49-F238E27FC236}">
-                <a16:creationId xmlns:a16="http://schemas.microsoft.com/office/drawing/2014/main" id="{1369492A-2596-A97F-8E2F-A416A42915E3}"/>
+                <a16:creationId xmlns:a16="http://schemas.microsoft.com/office/drawing/2014/main" id="{674E35C8-1D82-9BE6-DFF4-48442EC79218}"/>
               </a:ext>
             </a:extLst>
           </p:cNvPr>
@@ -306,7 +306,7 @@
           <a:bodyPr/>
           <a:lstStyle/>
           <a:p>
-            <a:fld id="{285E2CE5-A586-47A6-ABD0-21B92F2C373A}" type="slidenum">
+            <a:fld id="{6B1244D2-46AF-4369-A7D2-3990FC9B41C4}" type="slidenum">
               <a:rPr lang="zh-CN" altLang="en-US" smtClean="0"/>
               <a:t>‹#›</a:t>
             </a:fld>
@@ -317,7 +317,7 @@
     </p:spTree>
     <p:extLst>
       <p:ext uri="{BB962C8B-B14F-4D97-AF65-F5344CB8AC3E}">
-        <p14:creationId xmlns:p14="http://schemas.microsoft.com/office/powerpoint/2010/main" val="4040696675"/>
+        <p14:creationId xmlns:p14="http://schemas.microsoft.com/office/powerpoint/2010/main" val="1808468959"/>
       </p:ext>
     </p:extLst>
   </p:cSld>
@@ -349,7 +349,7 @@
           <p:cNvPr id="2" name="标题 1">
             <a:extLst>
               <a:ext uri="{FF2B5EF4-FFF2-40B4-BE49-F238E27FC236}">
-                <a16:creationId xmlns:a16="http://schemas.microsoft.com/office/drawing/2014/main" id="{8309C082-C997-572E-D0AD-5C22EBC27556}"/>
+                <a16:creationId xmlns:a16="http://schemas.microsoft.com/office/drawing/2014/main" id="{587D9D8D-D0BA-A1B6-036D-8B706B143880}"/>
               </a:ext>
             </a:extLst>
           </p:cNvPr>
@@ -377,7 +377,7 @@
           <p:cNvPr id="3" name="竖排文字占位符 2">
             <a:extLst>
               <a:ext uri="{FF2B5EF4-FFF2-40B4-BE49-F238E27FC236}">
-                <a16:creationId xmlns:a16="http://schemas.microsoft.com/office/drawing/2014/main" id="{4E32B004-0F5A-6BC0-DDCB-CF4610AFE178}"/>
+                <a16:creationId xmlns:a16="http://schemas.microsoft.com/office/drawing/2014/main" id="{0B719F6E-E5A3-11D3-4855-B3FE334E1BF4}"/>
               </a:ext>
             </a:extLst>
           </p:cNvPr>
@@ -434,7 +434,7 @@
           <p:cNvPr id="4" name="日期占位符 3">
             <a:extLst>
               <a:ext uri="{FF2B5EF4-FFF2-40B4-BE49-F238E27FC236}">
-                <a16:creationId xmlns:a16="http://schemas.microsoft.com/office/drawing/2014/main" id="{3B459712-B1E5-2644-3922-14C24953911C}"/>
+                <a16:creationId xmlns:a16="http://schemas.microsoft.com/office/drawing/2014/main" id="{788A9FF1-2F89-A6CE-6045-252DA52ACD40}"/>
               </a:ext>
             </a:extLst>
           </p:cNvPr>
@@ -450,7 +450,7 @@
           <a:bodyPr/>
           <a:lstStyle/>
           <a:p>
-            <a:fld id="{E572CB38-9B5E-46D9-AC31-16C69DF3F7BF}" type="datetimeFigureOut">
+            <a:fld id="{8FC9776C-5814-4414-A7BF-274DA4F6A0FD}" type="datetimeFigureOut">
               <a:rPr lang="zh-CN" altLang="en-US" smtClean="0"/>
               <a:t>2024/3/10</a:t>
             </a:fld>
@@ -463,7 +463,7 @@
           <p:cNvPr id="5" name="页脚占位符 4">
             <a:extLst>
               <a:ext uri="{FF2B5EF4-FFF2-40B4-BE49-F238E27FC236}">
-                <a16:creationId xmlns:a16="http://schemas.microsoft.com/office/drawing/2014/main" id="{43DD169F-1C74-F99F-7178-68F03C5150F1}"/>
+                <a16:creationId xmlns:a16="http://schemas.microsoft.com/office/drawing/2014/main" id="{FF39497B-A783-2713-BFF0-ABD6B3BB2573}"/>
               </a:ext>
             </a:extLst>
           </p:cNvPr>
@@ -488,7 +488,7 @@
           <p:cNvPr id="6" name="灯片编号占位符 5">
             <a:extLst>
               <a:ext uri="{FF2B5EF4-FFF2-40B4-BE49-F238E27FC236}">
-                <a16:creationId xmlns:a16="http://schemas.microsoft.com/office/drawing/2014/main" id="{1DFCF17A-6DCC-728E-E7F0-D5776E3AA721}"/>
+                <a16:creationId xmlns:a16="http://schemas.microsoft.com/office/drawing/2014/main" id="{3D49DD9A-894A-367E-B40D-9B28A52C78B5}"/>
               </a:ext>
             </a:extLst>
           </p:cNvPr>
@@ -504,7 +504,7 @@
           <a:bodyPr/>
           <a:lstStyle/>
           <a:p>
-            <a:fld id="{285E2CE5-A586-47A6-ABD0-21B92F2C373A}" type="slidenum">
+            <a:fld id="{6B1244D2-46AF-4369-A7D2-3990FC9B41C4}" type="slidenum">
               <a:rPr lang="zh-CN" altLang="en-US" smtClean="0"/>
               <a:t>‹#›</a:t>
             </a:fld>
@@ -515,7 +515,7 @@
     </p:spTree>
     <p:extLst>
       <p:ext uri="{BB962C8B-B14F-4D97-AF65-F5344CB8AC3E}">
-        <p14:creationId xmlns:p14="http://schemas.microsoft.com/office/powerpoint/2010/main" val="2724546527"/>
+        <p14:creationId xmlns:p14="http://schemas.microsoft.com/office/powerpoint/2010/main" val="292308829"/>
       </p:ext>
     </p:extLst>
   </p:cSld>
@@ -547,7 +547,7 @@
           <p:cNvPr id="2" name="竖排标题 1">
             <a:extLst>
               <a:ext uri="{FF2B5EF4-FFF2-40B4-BE49-F238E27FC236}">
-                <a16:creationId xmlns:a16="http://schemas.microsoft.com/office/drawing/2014/main" id="{575FFA88-90AA-6BA8-1933-3110CCB2C3FC}"/>
+                <a16:creationId xmlns:a16="http://schemas.microsoft.com/office/drawing/2014/main" id="{A24DC42A-4782-0339-7A6B-C1D053DEBD4C}"/>
               </a:ext>
             </a:extLst>
           </p:cNvPr>
@@ -580,7 +580,7 @@
           <p:cNvPr id="3" name="竖排文字占位符 2">
             <a:extLst>
               <a:ext uri="{FF2B5EF4-FFF2-40B4-BE49-F238E27FC236}">
-                <a16:creationId xmlns:a16="http://schemas.microsoft.com/office/drawing/2014/main" id="{DED776C1-E92C-CBE4-F457-25D83ED17839}"/>
+                <a16:creationId xmlns:a16="http://schemas.microsoft.com/office/drawing/2014/main" id="{EBC4A3EB-34C0-B46E-D936-EA4BE226B128}"/>
               </a:ext>
             </a:extLst>
           </p:cNvPr>
@@ -642,7 +642,7 @@
           <p:cNvPr id="4" name="日期占位符 3">
             <a:extLst>
               <a:ext uri="{FF2B5EF4-FFF2-40B4-BE49-F238E27FC236}">
-                <a16:creationId xmlns:a16="http://schemas.microsoft.com/office/drawing/2014/main" id="{525B3F2E-2DB1-800A-3BA8-237955A46475}"/>
+                <a16:creationId xmlns:a16="http://schemas.microsoft.com/office/drawing/2014/main" id="{16DE7E52-25F3-0430-2E31-629AFE80F7CF}"/>
               </a:ext>
             </a:extLst>
           </p:cNvPr>
@@ -658,7 +658,7 @@
           <a:bodyPr/>
           <a:lstStyle/>
           <a:p>
-            <a:fld id="{E572CB38-9B5E-46D9-AC31-16C69DF3F7BF}" type="datetimeFigureOut">
+            <a:fld id="{8FC9776C-5814-4414-A7BF-274DA4F6A0FD}" type="datetimeFigureOut">
               <a:rPr lang="zh-CN" altLang="en-US" smtClean="0"/>
               <a:t>2024/3/10</a:t>
             </a:fld>
@@ -671,7 +671,7 @@
           <p:cNvPr id="5" name="页脚占位符 4">
             <a:extLst>
               <a:ext uri="{FF2B5EF4-FFF2-40B4-BE49-F238E27FC236}">
-                <a16:creationId xmlns:a16="http://schemas.microsoft.com/office/drawing/2014/main" id="{2FC8D277-8A4E-B8E0-1000-F9A8029512A7}"/>
+                <a16:creationId xmlns:a16="http://schemas.microsoft.com/office/drawing/2014/main" id="{D58B9C6B-13A5-5421-591F-4D52B7476392}"/>
               </a:ext>
             </a:extLst>
           </p:cNvPr>
@@ -696,7 +696,7 @@
           <p:cNvPr id="6" name="灯片编号占位符 5">
             <a:extLst>
               <a:ext uri="{FF2B5EF4-FFF2-40B4-BE49-F238E27FC236}">
-                <a16:creationId xmlns:a16="http://schemas.microsoft.com/office/drawing/2014/main" id="{3534D4B3-5E2D-D651-2645-AE9AA69E79DB}"/>
+                <a16:creationId xmlns:a16="http://schemas.microsoft.com/office/drawing/2014/main" id="{FA9A974A-9FEB-490F-9AA1-D4A90DFF4C72}"/>
               </a:ext>
             </a:extLst>
           </p:cNvPr>
@@ -712,7 +712,7 @@
           <a:bodyPr/>
           <a:lstStyle/>
           <a:p>
-            <a:fld id="{285E2CE5-A586-47A6-ABD0-21B92F2C373A}" type="slidenum">
+            <a:fld id="{6B1244D2-46AF-4369-A7D2-3990FC9B41C4}" type="slidenum">
               <a:rPr lang="zh-CN" altLang="en-US" smtClean="0"/>
               <a:t>‹#›</a:t>
             </a:fld>
@@ -723,7 +723,7 @@
     </p:spTree>
     <p:extLst>
       <p:ext uri="{BB962C8B-B14F-4D97-AF65-F5344CB8AC3E}">
-        <p14:creationId xmlns:p14="http://schemas.microsoft.com/office/powerpoint/2010/main" val="3003881287"/>
+        <p14:creationId xmlns:p14="http://schemas.microsoft.com/office/powerpoint/2010/main" val="1259635787"/>
       </p:ext>
     </p:extLst>
   </p:cSld>
@@ -755,7 +755,7 @@
           <p:cNvPr id="2" name="标题 1">
             <a:extLst>
               <a:ext uri="{FF2B5EF4-FFF2-40B4-BE49-F238E27FC236}">
-                <a16:creationId xmlns:a16="http://schemas.microsoft.com/office/drawing/2014/main" id="{F776828D-9D10-9A29-6BDA-77B5E4977AED}"/>
+                <a16:creationId xmlns:a16="http://schemas.microsoft.com/office/drawing/2014/main" id="{60C039D4-7479-0965-826F-8835CD78410F}"/>
               </a:ext>
             </a:extLst>
           </p:cNvPr>
@@ -783,7 +783,7 @@
           <p:cNvPr id="3" name="内容占位符 2">
             <a:extLst>
               <a:ext uri="{FF2B5EF4-FFF2-40B4-BE49-F238E27FC236}">
-                <a16:creationId xmlns:a16="http://schemas.microsoft.com/office/drawing/2014/main" id="{02783101-77AD-FD85-7395-2795A8BC7A3E}"/>
+                <a16:creationId xmlns:a16="http://schemas.microsoft.com/office/drawing/2014/main" id="{F3A9CF15-E244-7A36-910C-8E0673952E0F}"/>
               </a:ext>
             </a:extLst>
           </p:cNvPr>
@@ -840,7 +840,7 @@
           <p:cNvPr id="4" name="日期占位符 3">
             <a:extLst>
               <a:ext uri="{FF2B5EF4-FFF2-40B4-BE49-F238E27FC236}">
-                <a16:creationId xmlns:a16="http://schemas.microsoft.com/office/drawing/2014/main" id="{B89275AC-5F8C-F4F8-8A3E-97C9B4B70496}"/>
+                <a16:creationId xmlns:a16="http://schemas.microsoft.com/office/drawing/2014/main" id="{E750E5CB-302F-EF13-00F7-D921D3BFB459}"/>
               </a:ext>
             </a:extLst>
           </p:cNvPr>
@@ -856,7 +856,7 @@
           <a:bodyPr/>
           <a:lstStyle/>
           <a:p>
-            <a:fld id="{E572CB38-9B5E-46D9-AC31-16C69DF3F7BF}" type="datetimeFigureOut">
+            <a:fld id="{8FC9776C-5814-4414-A7BF-274DA4F6A0FD}" type="datetimeFigureOut">
               <a:rPr lang="zh-CN" altLang="en-US" smtClean="0"/>
               <a:t>2024/3/10</a:t>
             </a:fld>
@@ -869,7 +869,7 @@
           <p:cNvPr id="5" name="页脚占位符 4">
             <a:extLst>
               <a:ext uri="{FF2B5EF4-FFF2-40B4-BE49-F238E27FC236}">
-                <a16:creationId xmlns:a16="http://schemas.microsoft.com/office/drawing/2014/main" id="{2329EBBA-29DD-ABAD-AB01-7E3ED8339F46}"/>
+                <a16:creationId xmlns:a16="http://schemas.microsoft.com/office/drawing/2014/main" id="{9770FE49-EF50-277D-81DA-751E53725211}"/>
               </a:ext>
             </a:extLst>
           </p:cNvPr>
@@ -894,7 +894,7 @@
           <p:cNvPr id="6" name="灯片编号占位符 5">
             <a:extLst>
               <a:ext uri="{FF2B5EF4-FFF2-40B4-BE49-F238E27FC236}">
-                <a16:creationId xmlns:a16="http://schemas.microsoft.com/office/drawing/2014/main" id="{DADE3C87-64EF-D3FE-8A56-93CD1E6E58C4}"/>
+                <a16:creationId xmlns:a16="http://schemas.microsoft.com/office/drawing/2014/main" id="{D225ACD3-E492-409C-CFC7-8C3EDCA134E7}"/>
               </a:ext>
             </a:extLst>
           </p:cNvPr>
@@ -910,7 +910,7 @@
           <a:bodyPr/>
           <a:lstStyle/>
           <a:p>
-            <a:fld id="{285E2CE5-A586-47A6-ABD0-21B92F2C373A}" type="slidenum">
+            <a:fld id="{6B1244D2-46AF-4369-A7D2-3990FC9B41C4}" type="slidenum">
               <a:rPr lang="zh-CN" altLang="en-US" smtClean="0"/>
               <a:t>‹#›</a:t>
             </a:fld>
@@ -921,7 +921,7 @@
     </p:spTree>
     <p:extLst>
       <p:ext uri="{BB962C8B-B14F-4D97-AF65-F5344CB8AC3E}">
-        <p14:creationId xmlns:p14="http://schemas.microsoft.com/office/powerpoint/2010/main" val="3958318389"/>
+        <p14:creationId xmlns:p14="http://schemas.microsoft.com/office/powerpoint/2010/main" val="1081456609"/>
       </p:ext>
     </p:extLst>
   </p:cSld>
@@ -953,7 +953,7 @@
           <p:cNvPr id="2" name="标题 1">
             <a:extLst>
               <a:ext uri="{FF2B5EF4-FFF2-40B4-BE49-F238E27FC236}">
-                <a16:creationId xmlns:a16="http://schemas.microsoft.com/office/drawing/2014/main" id="{037C1A65-DA49-75B3-9F99-E62110B51994}"/>
+                <a16:creationId xmlns:a16="http://schemas.microsoft.com/office/drawing/2014/main" id="{E704BFD3-3CA0-E447-3EFF-8364E283FBA6}"/>
               </a:ext>
             </a:extLst>
           </p:cNvPr>
@@ -990,7 +990,7 @@
           <p:cNvPr id="3" name="文本占位符 2">
             <a:extLst>
               <a:ext uri="{FF2B5EF4-FFF2-40B4-BE49-F238E27FC236}">
-                <a16:creationId xmlns:a16="http://schemas.microsoft.com/office/drawing/2014/main" id="{B7966752-CBD9-CC70-439A-AA3BCA1F548A}"/>
+                <a16:creationId xmlns:a16="http://schemas.microsoft.com/office/drawing/2014/main" id="{5C0CA098-0940-7CEB-7E57-AFE6BB0D6882}"/>
               </a:ext>
             </a:extLst>
           </p:cNvPr>
@@ -1115,7 +1115,7 @@
           <p:cNvPr id="4" name="日期占位符 3">
             <a:extLst>
               <a:ext uri="{FF2B5EF4-FFF2-40B4-BE49-F238E27FC236}">
-                <a16:creationId xmlns:a16="http://schemas.microsoft.com/office/drawing/2014/main" id="{DF20A9B7-6E13-7FE0-6D80-85F31CECB347}"/>
+                <a16:creationId xmlns:a16="http://schemas.microsoft.com/office/drawing/2014/main" id="{E7B15FCB-A77B-DAB6-A2CC-4988FE120751}"/>
               </a:ext>
             </a:extLst>
           </p:cNvPr>
@@ -1131,7 +1131,7 @@
           <a:bodyPr/>
           <a:lstStyle/>
           <a:p>
-            <a:fld id="{E572CB38-9B5E-46D9-AC31-16C69DF3F7BF}" type="datetimeFigureOut">
+            <a:fld id="{8FC9776C-5814-4414-A7BF-274DA4F6A0FD}" type="datetimeFigureOut">
               <a:rPr lang="zh-CN" altLang="en-US" smtClean="0"/>
               <a:t>2024/3/10</a:t>
             </a:fld>
@@ -1144,7 +1144,7 @@
           <p:cNvPr id="5" name="页脚占位符 4">
             <a:extLst>
               <a:ext uri="{FF2B5EF4-FFF2-40B4-BE49-F238E27FC236}">
-                <a16:creationId xmlns:a16="http://schemas.microsoft.com/office/drawing/2014/main" id="{5CF94728-E598-84C6-7D7F-49FB9865C7AD}"/>
+                <a16:creationId xmlns:a16="http://schemas.microsoft.com/office/drawing/2014/main" id="{823AC570-5176-1485-A00F-98F27F43DB5D}"/>
               </a:ext>
             </a:extLst>
           </p:cNvPr>
@@ -1169,7 +1169,7 @@
           <p:cNvPr id="6" name="灯片编号占位符 5">
             <a:extLst>
               <a:ext uri="{FF2B5EF4-FFF2-40B4-BE49-F238E27FC236}">
-                <a16:creationId xmlns:a16="http://schemas.microsoft.com/office/drawing/2014/main" id="{76B3AA89-D2F2-BFA3-04B2-1A1FF67AB89B}"/>
+                <a16:creationId xmlns:a16="http://schemas.microsoft.com/office/drawing/2014/main" id="{3977A82E-7E0C-2D09-6092-A1495124A7D2}"/>
               </a:ext>
             </a:extLst>
           </p:cNvPr>
@@ -1185,7 +1185,7 @@
           <a:bodyPr/>
           <a:lstStyle/>
           <a:p>
-            <a:fld id="{285E2CE5-A586-47A6-ABD0-21B92F2C373A}" type="slidenum">
+            <a:fld id="{6B1244D2-46AF-4369-A7D2-3990FC9B41C4}" type="slidenum">
               <a:rPr lang="zh-CN" altLang="en-US" smtClean="0"/>
               <a:t>‹#›</a:t>
             </a:fld>
@@ -1196,7 +1196,7 @@
     </p:spTree>
     <p:extLst>
       <p:ext uri="{BB962C8B-B14F-4D97-AF65-F5344CB8AC3E}">
-        <p14:creationId xmlns:p14="http://schemas.microsoft.com/office/powerpoint/2010/main" val="1696952676"/>
+        <p14:creationId xmlns:p14="http://schemas.microsoft.com/office/powerpoint/2010/main" val="2966011049"/>
       </p:ext>
     </p:extLst>
   </p:cSld>
@@ -1228,7 +1228,7 @@
           <p:cNvPr id="2" name="标题 1">
             <a:extLst>
               <a:ext uri="{FF2B5EF4-FFF2-40B4-BE49-F238E27FC236}">
-                <a16:creationId xmlns:a16="http://schemas.microsoft.com/office/drawing/2014/main" id="{584ADDCA-D6B8-58D1-75A2-39628B3592B8}"/>
+                <a16:creationId xmlns:a16="http://schemas.microsoft.com/office/drawing/2014/main" id="{1EFBE134-053C-D0DA-8973-A9887B56F606}"/>
               </a:ext>
             </a:extLst>
           </p:cNvPr>
@@ -1256,7 +1256,7 @@
           <p:cNvPr id="3" name="内容占位符 2">
             <a:extLst>
               <a:ext uri="{FF2B5EF4-FFF2-40B4-BE49-F238E27FC236}">
-                <a16:creationId xmlns:a16="http://schemas.microsoft.com/office/drawing/2014/main" id="{57293746-C312-0456-863F-C2C9CA2F53DE}"/>
+                <a16:creationId xmlns:a16="http://schemas.microsoft.com/office/drawing/2014/main" id="{4B3DC8CC-D6FE-EFBF-645A-435E57DAF8E7}"/>
               </a:ext>
             </a:extLst>
           </p:cNvPr>
@@ -1318,7 +1318,7 @@
           <p:cNvPr id="4" name="内容占位符 3">
             <a:extLst>
               <a:ext uri="{FF2B5EF4-FFF2-40B4-BE49-F238E27FC236}">
-                <a16:creationId xmlns:a16="http://schemas.microsoft.com/office/drawing/2014/main" id="{E0EAE4AF-AC57-0221-16C9-8EE83A373A82}"/>
+                <a16:creationId xmlns:a16="http://schemas.microsoft.com/office/drawing/2014/main" id="{8562997F-6796-0CCE-9A43-464E5A5696FB}"/>
               </a:ext>
             </a:extLst>
           </p:cNvPr>
@@ -1380,7 +1380,7 @@
           <p:cNvPr id="5" name="日期占位符 4">
             <a:extLst>
               <a:ext uri="{FF2B5EF4-FFF2-40B4-BE49-F238E27FC236}">
-                <a16:creationId xmlns:a16="http://schemas.microsoft.com/office/drawing/2014/main" id="{90919219-A9C3-D95A-4657-A7EB1951204F}"/>
+                <a16:creationId xmlns:a16="http://schemas.microsoft.com/office/drawing/2014/main" id="{0BE0B9B4-3F20-52ED-7761-0E18BAF27577}"/>
               </a:ext>
             </a:extLst>
           </p:cNvPr>
@@ -1396,7 +1396,7 @@
           <a:bodyPr/>
           <a:lstStyle/>
           <a:p>
-            <a:fld id="{E572CB38-9B5E-46D9-AC31-16C69DF3F7BF}" type="datetimeFigureOut">
+            <a:fld id="{8FC9776C-5814-4414-A7BF-274DA4F6A0FD}" type="datetimeFigureOut">
               <a:rPr lang="zh-CN" altLang="en-US" smtClean="0"/>
               <a:t>2024/3/10</a:t>
             </a:fld>
@@ -1409,7 +1409,7 @@
           <p:cNvPr id="6" name="页脚占位符 5">
             <a:extLst>
               <a:ext uri="{FF2B5EF4-FFF2-40B4-BE49-F238E27FC236}">
-                <a16:creationId xmlns:a16="http://schemas.microsoft.com/office/drawing/2014/main" id="{2EB9A3A6-528D-107A-0EA4-C8E8F7672ABA}"/>
+                <a16:creationId xmlns:a16="http://schemas.microsoft.com/office/drawing/2014/main" id="{F68D6D17-C111-15D2-F251-CDCC51A47D49}"/>
               </a:ext>
             </a:extLst>
           </p:cNvPr>
@@ -1434,7 +1434,7 @@
           <p:cNvPr id="7" name="灯片编号占位符 6">
             <a:extLst>
               <a:ext uri="{FF2B5EF4-FFF2-40B4-BE49-F238E27FC236}">
-                <a16:creationId xmlns:a16="http://schemas.microsoft.com/office/drawing/2014/main" id="{9B06DC65-6446-3D1B-DE05-B023B863A723}"/>
+                <a16:creationId xmlns:a16="http://schemas.microsoft.com/office/drawing/2014/main" id="{BBD5EF34-9F79-910E-56E4-391EA997F386}"/>
               </a:ext>
             </a:extLst>
           </p:cNvPr>
@@ -1450,7 +1450,7 @@
           <a:bodyPr/>
           <a:lstStyle/>
           <a:p>
-            <a:fld id="{285E2CE5-A586-47A6-ABD0-21B92F2C373A}" type="slidenum">
+            <a:fld id="{6B1244D2-46AF-4369-A7D2-3990FC9B41C4}" type="slidenum">
               <a:rPr lang="zh-CN" altLang="en-US" smtClean="0"/>
               <a:t>‹#›</a:t>
             </a:fld>
@@ -1461,7 +1461,7 @@
     </p:spTree>
     <p:extLst>
       <p:ext uri="{BB962C8B-B14F-4D97-AF65-F5344CB8AC3E}">
-        <p14:creationId xmlns:p14="http://schemas.microsoft.com/office/powerpoint/2010/main" val="2105275632"/>
+        <p14:creationId xmlns:p14="http://schemas.microsoft.com/office/powerpoint/2010/main" val="2795472410"/>
       </p:ext>
     </p:extLst>
   </p:cSld>
@@ -1493,7 +1493,7 @@
           <p:cNvPr id="2" name="标题 1">
             <a:extLst>
               <a:ext uri="{FF2B5EF4-FFF2-40B4-BE49-F238E27FC236}">
-                <a16:creationId xmlns:a16="http://schemas.microsoft.com/office/drawing/2014/main" id="{661AD083-5D7F-2D24-91FB-88B1522E0516}"/>
+                <a16:creationId xmlns:a16="http://schemas.microsoft.com/office/drawing/2014/main" id="{A67C0D01-9948-61AD-8F5B-FFD15E47BE15}"/>
               </a:ext>
             </a:extLst>
           </p:cNvPr>
@@ -1526,7 +1526,7 @@
           <p:cNvPr id="3" name="文本占位符 2">
             <a:extLst>
               <a:ext uri="{FF2B5EF4-FFF2-40B4-BE49-F238E27FC236}">
-                <a16:creationId xmlns:a16="http://schemas.microsoft.com/office/drawing/2014/main" id="{5B1F018F-077D-68AD-F05C-E13E4F107967}"/>
+                <a16:creationId xmlns:a16="http://schemas.microsoft.com/office/drawing/2014/main" id="{FAE2413E-C3EF-C666-6D2F-2B2942B02F40}"/>
               </a:ext>
             </a:extLst>
           </p:cNvPr>
@@ -1597,7 +1597,7 @@
           <p:cNvPr id="4" name="内容占位符 3">
             <a:extLst>
               <a:ext uri="{FF2B5EF4-FFF2-40B4-BE49-F238E27FC236}">
-                <a16:creationId xmlns:a16="http://schemas.microsoft.com/office/drawing/2014/main" id="{34E59969-FD8A-8F76-BA19-E7AA3AA30EBD}"/>
+                <a16:creationId xmlns:a16="http://schemas.microsoft.com/office/drawing/2014/main" id="{ABFCDC1F-D006-4125-A0F5-64FA29C982A9}"/>
               </a:ext>
             </a:extLst>
           </p:cNvPr>
@@ -1659,7 +1659,7 @@
           <p:cNvPr id="5" name="文本占位符 4">
             <a:extLst>
               <a:ext uri="{FF2B5EF4-FFF2-40B4-BE49-F238E27FC236}">
-                <a16:creationId xmlns:a16="http://schemas.microsoft.com/office/drawing/2014/main" id="{86986B05-392A-B514-248D-5FE08977C59E}"/>
+                <a16:creationId xmlns:a16="http://schemas.microsoft.com/office/drawing/2014/main" id="{F464DC81-0CDD-724E-055D-5BC5B9438033}"/>
               </a:ext>
             </a:extLst>
           </p:cNvPr>
@@ -1730,7 +1730,7 @@
           <p:cNvPr id="6" name="内容占位符 5">
             <a:extLst>
               <a:ext uri="{FF2B5EF4-FFF2-40B4-BE49-F238E27FC236}">
-                <a16:creationId xmlns:a16="http://schemas.microsoft.com/office/drawing/2014/main" id="{D05B5DE8-E7AC-5D7B-9CA6-DBD4502AF06E}"/>
+                <a16:creationId xmlns:a16="http://schemas.microsoft.com/office/drawing/2014/main" id="{69995375-77D4-7401-1528-8F9D2849714A}"/>
               </a:ext>
             </a:extLst>
           </p:cNvPr>
@@ -1792,7 +1792,7 @@
           <p:cNvPr id="7" name="日期占位符 6">
             <a:extLst>
               <a:ext uri="{FF2B5EF4-FFF2-40B4-BE49-F238E27FC236}">
-                <a16:creationId xmlns:a16="http://schemas.microsoft.com/office/drawing/2014/main" id="{53F23188-FAEF-5E5B-26B2-D377862EC14F}"/>
+                <a16:creationId xmlns:a16="http://schemas.microsoft.com/office/drawing/2014/main" id="{A1796C0E-6D03-1A9F-7435-1534610927D7}"/>
               </a:ext>
             </a:extLst>
           </p:cNvPr>
@@ -1808,7 +1808,7 @@
           <a:bodyPr/>
           <a:lstStyle/>
           <a:p>
-            <a:fld id="{E572CB38-9B5E-46D9-AC31-16C69DF3F7BF}" type="datetimeFigureOut">
+            <a:fld id="{8FC9776C-5814-4414-A7BF-274DA4F6A0FD}" type="datetimeFigureOut">
               <a:rPr lang="zh-CN" altLang="en-US" smtClean="0"/>
               <a:t>2024/3/10</a:t>
             </a:fld>
@@ -1821,7 +1821,7 @@
           <p:cNvPr id="8" name="页脚占位符 7">
             <a:extLst>
               <a:ext uri="{FF2B5EF4-FFF2-40B4-BE49-F238E27FC236}">
-                <a16:creationId xmlns:a16="http://schemas.microsoft.com/office/drawing/2014/main" id="{D95F59D8-807A-2DD5-27AF-F24F51A422F2}"/>
+                <a16:creationId xmlns:a16="http://schemas.microsoft.com/office/drawing/2014/main" id="{827C814F-8DFC-64D5-C1B1-3CCC14549399}"/>
               </a:ext>
             </a:extLst>
           </p:cNvPr>
@@ -1846,7 +1846,7 @@
           <p:cNvPr id="9" name="灯片编号占位符 8">
             <a:extLst>
               <a:ext uri="{FF2B5EF4-FFF2-40B4-BE49-F238E27FC236}">
-                <a16:creationId xmlns:a16="http://schemas.microsoft.com/office/drawing/2014/main" id="{0C7713E7-9D57-4B61-26E4-F49A440C97F2}"/>
+                <a16:creationId xmlns:a16="http://schemas.microsoft.com/office/drawing/2014/main" id="{CB38A47A-9210-0FA5-8C0B-88F037F031EA}"/>
               </a:ext>
             </a:extLst>
           </p:cNvPr>
@@ -1862,7 +1862,7 @@
           <a:bodyPr/>
           <a:lstStyle/>
           <a:p>
-            <a:fld id="{285E2CE5-A586-47A6-ABD0-21B92F2C373A}" type="slidenum">
+            <a:fld id="{6B1244D2-46AF-4369-A7D2-3990FC9B41C4}" type="slidenum">
               <a:rPr lang="zh-CN" altLang="en-US" smtClean="0"/>
               <a:t>‹#›</a:t>
             </a:fld>
@@ -1873,7 +1873,7 @@
     </p:spTree>
     <p:extLst>
       <p:ext uri="{BB962C8B-B14F-4D97-AF65-F5344CB8AC3E}">
-        <p14:creationId xmlns:p14="http://schemas.microsoft.com/office/powerpoint/2010/main" val="2807823632"/>
+        <p14:creationId xmlns:p14="http://schemas.microsoft.com/office/powerpoint/2010/main" val="1160088292"/>
       </p:ext>
     </p:extLst>
   </p:cSld>
@@ -1905,7 +1905,7 @@
           <p:cNvPr id="2" name="标题 1">
             <a:extLst>
               <a:ext uri="{FF2B5EF4-FFF2-40B4-BE49-F238E27FC236}">
-                <a16:creationId xmlns:a16="http://schemas.microsoft.com/office/drawing/2014/main" id="{EF72E231-7A4A-2097-C052-C009D22EE45C}"/>
+                <a16:creationId xmlns:a16="http://schemas.microsoft.com/office/drawing/2014/main" id="{3BC6411B-2474-2AED-0ADE-96E9F5751E0B}"/>
               </a:ext>
             </a:extLst>
           </p:cNvPr>
@@ -1933,7 +1933,7 @@
           <p:cNvPr id="3" name="日期占位符 2">
             <a:extLst>
               <a:ext uri="{FF2B5EF4-FFF2-40B4-BE49-F238E27FC236}">
-                <a16:creationId xmlns:a16="http://schemas.microsoft.com/office/drawing/2014/main" id="{82C79476-E578-C476-2E66-77B641DECCEC}"/>
+                <a16:creationId xmlns:a16="http://schemas.microsoft.com/office/drawing/2014/main" id="{DA5501CA-F05F-2A4A-F28B-B52D2D97DFD7}"/>
               </a:ext>
             </a:extLst>
           </p:cNvPr>
@@ -1949,7 +1949,7 @@
           <a:bodyPr/>
           <a:lstStyle/>
           <a:p>
-            <a:fld id="{E572CB38-9B5E-46D9-AC31-16C69DF3F7BF}" type="datetimeFigureOut">
+            <a:fld id="{8FC9776C-5814-4414-A7BF-274DA4F6A0FD}" type="datetimeFigureOut">
               <a:rPr lang="zh-CN" altLang="en-US" smtClean="0"/>
               <a:t>2024/3/10</a:t>
             </a:fld>
@@ -1962,7 +1962,7 @@
           <p:cNvPr id="4" name="页脚占位符 3">
             <a:extLst>
               <a:ext uri="{FF2B5EF4-FFF2-40B4-BE49-F238E27FC236}">
-                <a16:creationId xmlns:a16="http://schemas.microsoft.com/office/drawing/2014/main" id="{2F04FC53-3FE6-76FC-9C73-F4073CBE7E52}"/>
+                <a16:creationId xmlns:a16="http://schemas.microsoft.com/office/drawing/2014/main" id="{ADAD8385-1057-EE95-686A-B4B5B99ADDA4}"/>
               </a:ext>
             </a:extLst>
           </p:cNvPr>
@@ -1987,7 +1987,7 @@
           <p:cNvPr id="5" name="灯片编号占位符 4">
             <a:extLst>
               <a:ext uri="{FF2B5EF4-FFF2-40B4-BE49-F238E27FC236}">
-                <a16:creationId xmlns:a16="http://schemas.microsoft.com/office/drawing/2014/main" id="{DBF1078A-E0EE-B2CF-E0D8-2EEAF731B3B5}"/>
+                <a16:creationId xmlns:a16="http://schemas.microsoft.com/office/drawing/2014/main" id="{30D74B41-8025-D07B-F088-345331045224}"/>
               </a:ext>
             </a:extLst>
           </p:cNvPr>
@@ -2003,7 +2003,7 @@
           <a:bodyPr/>
           <a:lstStyle/>
           <a:p>
-            <a:fld id="{285E2CE5-A586-47A6-ABD0-21B92F2C373A}" type="slidenum">
+            <a:fld id="{6B1244D2-46AF-4369-A7D2-3990FC9B41C4}" type="slidenum">
               <a:rPr lang="zh-CN" altLang="en-US" smtClean="0"/>
               <a:t>‹#›</a:t>
             </a:fld>
@@ -2014,7 +2014,7 @@
     </p:spTree>
     <p:extLst>
       <p:ext uri="{BB962C8B-B14F-4D97-AF65-F5344CB8AC3E}">
-        <p14:creationId xmlns:p14="http://schemas.microsoft.com/office/powerpoint/2010/main" val="2022211980"/>
+        <p14:creationId xmlns:p14="http://schemas.microsoft.com/office/powerpoint/2010/main" val="2790567444"/>
       </p:ext>
     </p:extLst>
   </p:cSld>
@@ -2046,7 +2046,7 @@
           <p:cNvPr id="2" name="日期占位符 1">
             <a:extLst>
               <a:ext uri="{FF2B5EF4-FFF2-40B4-BE49-F238E27FC236}">
-                <a16:creationId xmlns:a16="http://schemas.microsoft.com/office/drawing/2014/main" id="{77D00979-3F09-E944-5696-6300D9F3AA64}"/>
+                <a16:creationId xmlns:a16="http://schemas.microsoft.com/office/drawing/2014/main" id="{95D17C27-A986-F14B-2612-52CF75AAAE2A}"/>
               </a:ext>
             </a:extLst>
           </p:cNvPr>
@@ -2062,7 +2062,7 @@
           <a:bodyPr/>
           <a:lstStyle/>
           <a:p>
-            <a:fld id="{E572CB38-9B5E-46D9-AC31-16C69DF3F7BF}" type="datetimeFigureOut">
+            <a:fld id="{8FC9776C-5814-4414-A7BF-274DA4F6A0FD}" type="datetimeFigureOut">
               <a:rPr lang="zh-CN" altLang="en-US" smtClean="0"/>
               <a:t>2024/3/10</a:t>
             </a:fld>
@@ -2075,7 +2075,7 @@
           <p:cNvPr id="3" name="页脚占位符 2">
             <a:extLst>
               <a:ext uri="{FF2B5EF4-FFF2-40B4-BE49-F238E27FC236}">
-                <a16:creationId xmlns:a16="http://schemas.microsoft.com/office/drawing/2014/main" id="{79D8BC92-FF99-AEBD-AF53-BAE9F78B2467}"/>
+                <a16:creationId xmlns:a16="http://schemas.microsoft.com/office/drawing/2014/main" id="{9838A090-E645-282D-928C-1D293ADCFC5C}"/>
               </a:ext>
             </a:extLst>
           </p:cNvPr>
@@ -2100,7 +2100,7 @@
           <p:cNvPr id="4" name="灯片编号占位符 3">
             <a:extLst>
               <a:ext uri="{FF2B5EF4-FFF2-40B4-BE49-F238E27FC236}">
-                <a16:creationId xmlns:a16="http://schemas.microsoft.com/office/drawing/2014/main" id="{497CABA0-015C-109C-F76A-3F3F48FE968E}"/>
+                <a16:creationId xmlns:a16="http://schemas.microsoft.com/office/drawing/2014/main" id="{F1AD4703-0ECF-1BD1-5E4E-E8EDAE0DD36D}"/>
               </a:ext>
             </a:extLst>
           </p:cNvPr>
@@ -2116,7 +2116,7 @@
           <a:bodyPr/>
           <a:lstStyle/>
           <a:p>
-            <a:fld id="{285E2CE5-A586-47A6-ABD0-21B92F2C373A}" type="slidenum">
+            <a:fld id="{6B1244D2-46AF-4369-A7D2-3990FC9B41C4}" type="slidenum">
               <a:rPr lang="zh-CN" altLang="en-US" smtClean="0"/>
               <a:t>‹#›</a:t>
             </a:fld>
@@ -2127,7 +2127,7 @@
     </p:spTree>
     <p:extLst>
       <p:ext uri="{BB962C8B-B14F-4D97-AF65-F5344CB8AC3E}">
-        <p14:creationId xmlns:p14="http://schemas.microsoft.com/office/powerpoint/2010/main" val="855864652"/>
+        <p14:creationId xmlns:p14="http://schemas.microsoft.com/office/powerpoint/2010/main" val="4207132863"/>
       </p:ext>
     </p:extLst>
   </p:cSld>
@@ -2159,7 +2159,7 @@
           <p:cNvPr id="2" name="标题 1">
             <a:extLst>
               <a:ext uri="{FF2B5EF4-FFF2-40B4-BE49-F238E27FC236}">
-                <a16:creationId xmlns:a16="http://schemas.microsoft.com/office/drawing/2014/main" id="{5F23A37B-0021-FFD6-E5E9-C6B21728074E}"/>
+                <a16:creationId xmlns:a16="http://schemas.microsoft.com/office/drawing/2014/main" id="{9FC64A16-409F-3A39-DF8F-C35C5ED3BC72}"/>
               </a:ext>
             </a:extLst>
           </p:cNvPr>
@@ -2196,7 +2196,7 @@
           <p:cNvPr id="3" name="内容占位符 2">
             <a:extLst>
               <a:ext uri="{FF2B5EF4-FFF2-40B4-BE49-F238E27FC236}">
-                <a16:creationId xmlns:a16="http://schemas.microsoft.com/office/drawing/2014/main" id="{6D3B9286-297C-5F1C-868C-FE6FE1987546}"/>
+                <a16:creationId xmlns:a16="http://schemas.microsoft.com/office/drawing/2014/main" id="{0AFF3EFF-B0E0-34CE-A552-D66E74D0FB51}"/>
               </a:ext>
             </a:extLst>
           </p:cNvPr>
@@ -2286,7 +2286,7 @@
           <p:cNvPr id="4" name="文本占位符 3">
             <a:extLst>
               <a:ext uri="{FF2B5EF4-FFF2-40B4-BE49-F238E27FC236}">
-                <a16:creationId xmlns:a16="http://schemas.microsoft.com/office/drawing/2014/main" id="{02F077B8-FD14-0DE2-75A2-9E21C5DAB311}"/>
+                <a16:creationId xmlns:a16="http://schemas.microsoft.com/office/drawing/2014/main" id="{6DACA7E4-0A20-6B9B-5278-C83C59F63DAA}"/>
               </a:ext>
             </a:extLst>
           </p:cNvPr>
@@ -2357,7 +2357,7 @@
           <p:cNvPr id="5" name="日期占位符 4">
             <a:extLst>
               <a:ext uri="{FF2B5EF4-FFF2-40B4-BE49-F238E27FC236}">
-                <a16:creationId xmlns:a16="http://schemas.microsoft.com/office/drawing/2014/main" id="{D374C023-46F1-D312-740A-13DD14478F3B}"/>
+                <a16:creationId xmlns:a16="http://schemas.microsoft.com/office/drawing/2014/main" id="{920A5745-B95E-F111-2CE5-95B9EC45ED52}"/>
               </a:ext>
             </a:extLst>
           </p:cNvPr>
@@ -2373,7 +2373,7 @@
           <a:bodyPr/>
           <a:lstStyle/>
           <a:p>
-            <a:fld id="{E572CB38-9B5E-46D9-AC31-16C69DF3F7BF}" type="datetimeFigureOut">
+            <a:fld id="{8FC9776C-5814-4414-A7BF-274DA4F6A0FD}" type="datetimeFigureOut">
               <a:rPr lang="zh-CN" altLang="en-US" smtClean="0"/>
               <a:t>2024/3/10</a:t>
             </a:fld>
@@ -2386,7 +2386,7 @@
           <p:cNvPr id="6" name="页脚占位符 5">
             <a:extLst>
               <a:ext uri="{FF2B5EF4-FFF2-40B4-BE49-F238E27FC236}">
-                <a16:creationId xmlns:a16="http://schemas.microsoft.com/office/drawing/2014/main" id="{32C1DC26-46F2-CA58-9150-A948C95DEEF3}"/>
+                <a16:creationId xmlns:a16="http://schemas.microsoft.com/office/drawing/2014/main" id="{A3A59C7E-D349-FA3D-7FB0-A7B35C6E4EBD}"/>
               </a:ext>
             </a:extLst>
           </p:cNvPr>
@@ -2411,7 +2411,7 @@
           <p:cNvPr id="7" name="灯片编号占位符 6">
             <a:extLst>
               <a:ext uri="{FF2B5EF4-FFF2-40B4-BE49-F238E27FC236}">
-                <a16:creationId xmlns:a16="http://schemas.microsoft.com/office/drawing/2014/main" id="{A4675530-49A2-6375-F97E-A86CC5498F42}"/>
+                <a16:creationId xmlns:a16="http://schemas.microsoft.com/office/drawing/2014/main" id="{3CB535B6-4871-3D5C-F508-6B6068C4401F}"/>
               </a:ext>
             </a:extLst>
           </p:cNvPr>
@@ -2427,7 +2427,7 @@
           <a:bodyPr/>
           <a:lstStyle/>
           <a:p>
-            <a:fld id="{285E2CE5-A586-47A6-ABD0-21B92F2C373A}" type="slidenum">
+            <a:fld id="{6B1244D2-46AF-4369-A7D2-3990FC9B41C4}" type="slidenum">
               <a:rPr lang="zh-CN" altLang="en-US" smtClean="0"/>
               <a:t>‹#›</a:t>
             </a:fld>
@@ -2438,7 +2438,7 @@
     </p:spTree>
     <p:extLst>
       <p:ext uri="{BB962C8B-B14F-4D97-AF65-F5344CB8AC3E}">
-        <p14:creationId xmlns:p14="http://schemas.microsoft.com/office/powerpoint/2010/main" val="3916563297"/>
+        <p14:creationId xmlns:p14="http://schemas.microsoft.com/office/powerpoint/2010/main" val="2974050599"/>
       </p:ext>
     </p:extLst>
   </p:cSld>
@@ -2470,7 +2470,7 @@
           <p:cNvPr id="2" name="标题 1">
             <a:extLst>
               <a:ext uri="{FF2B5EF4-FFF2-40B4-BE49-F238E27FC236}">
-                <a16:creationId xmlns:a16="http://schemas.microsoft.com/office/drawing/2014/main" id="{D6D52416-484C-8B46-912F-9D6DA19F7634}"/>
+                <a16:creationId xmlns:a16="http://schemas.microsoft.com/office/drawing/2014/main" id="{DB7FCD84-FB7D-64F5-2F81-2DFAF39B1B49}"/>
               </a:ext>
             </a:extLst>
           </p:cNvPr>
@@ -2507,7 +2507,7 @@
           <p:cNvPr id="3" name="图片占位符 2">
             <a:extLst>
               <a:ext uri="{FF2B5EF4-FFF2-40B4-BE49-F238E27FC236}">
-                <a16:creationId xmlns:a16="http://schemas.microsoft.com/office/drawing/2014/main" id="{24FC687E-82C7-6100-A92F-9728A11F364E}"/>
+                <a16:creationId xmlns:a16="http://schemas.microsoft.com/office/drawing/2014/main" id="{6D767C5B-20E8-32E7-7CD3-6802CB4B5F73}"/>
               </a:ext>
             </a:extLst>
           </p:cNvPr>
@@ -2574,7 +2574,7 @@
           <p:cNvPr id="4" name="文本占位符 3">
             <a:extLst>
               <a:ext uri="{FF2B5EF4-FFF2-40B4-BE49-F238E27FC236}">
-                <a16:creationId xmlns:a16="http://schemas.microsoft.com/office/drawing/2014/main" id="{1EBEC43A-240E-3D71-D224-4802F99F3B2C}"/>
+                <a16:creationId xmlns:a16="http://schemas.microsoft.com/office/drawing/2014/main" id="{20680B0E-6B80-0F43-8CA7-A50F2DDC3E42}"/>
               </a:ext>
             </a:extLst>
           </p:cNvPr>
@@ -2645,7 +2645,7 @@
           <p:cNvPr id="5" name="日期占位符 4">
             <a:extLst>
               <a:ext uri="{FF2B5EF4-FFF2-40B4-BE49-F238E27FC236}">
-                <a16:creationId xmlns:a16="http://schemas.microsoft.com/office/drawing/2014/main" id="{B9C0B587-65F8-0EC1-F569-2A2834EDC2BD}"/>
+                <a16:creationId xmlns:a16="http://schemas.microsoft.com/office/drawing/2014/main" id="{ADC2A03A-F3BA-3BDC-7178-D96FC261F270}"/>
               </a:ext>
             </a:extLst>
           </p:cNvPr>
@@ -2661,7 +2661,7 @@
           <a:bodyPr/>
           <a:lstStyle/>
           <a:p>
-            <a:fld id="{E572CB38-9B5E-46D9-AC31-16C69DF3F7BF}" type="datetimeFigureOut">
+            <a:fld id="{8FC9776C-5814-4414-A7BF-274DA4F6A0FD}" type="datetimeFigureOut">
               <a:rPr lang="zh-CN" altLang="en-US" smtClean="0"/>
               <a:t>2024/3/10</a:t>
             </a:fld>
@@ -2674,7 +2674,7 @@
           <p:cNvPr id="6" name="页脚占位符 5">
             <a:extLst>
               <a:ext uri="{FF2B5EF4-FFF2-40B4-BE49-F238E27FC236}">
-                <a16:creationId xmlns:a16="http://schemas.microsoft.com/office/drawing/2014/main" id="{C58788AB-2A3D-4D3A-1557-CB56205B3492}"/>
+                <a16:creationId xmlns:a16="http://schemas.microsoft.com/office/drawing/2014/main" id="{E6DCE500-D601-5889-5983-20DDAD2F1D4C}"/>
               </a:ext>
             </a:extLst>
           </p:cNvPr>
@@ -2699,7 +2699,7 @@
           <p:cNvPr id="7" name="灯片编号占位符 6">
             <a:extLst>
               <a:ext uri="{FF2B5EF4-FFF2-40B4-BE49-F238E27FC236}">
-                <a16:creationId xmlns:a16="http://schemas.microsoft.com/office/drawing/2014/main" id="{B3D475E6-254D-F212-DC07-F52773A26D47}"/>
+                <a16:creationId xmlns:a16="http://schemas.microsoft.com/office/drawing/2014/main" id="{3707D0D8-A0DC-4C08-7B4A-79C315818595}"/>
               </a:ext>
             </a:extLst>
           </p:cNvPr>
@@ -2715,7 +2715,7 @@
           <a:bodyPr/>
           <a:lstStyle/>
           <a:p>
-            <a:fld id="{285E2CE5-A586-47A6-ABD0-21B92F2C373A}" type="slidenum">
+            <a:fld id="{6B1244D2-46AF-4369-A7D2-3990FC9B41C4}" type="slidenum">
               <a:rPr lang="zh-CN" altLang="en-US" smtClean="0"/>
               <a:t>‹#›</a:t>
             </a:fld>
@@ -2726,7 +2726,7 @@
     </p:spTree>
     <p:extLst>
       <p:ext uri="{BB962C8B-B14F-4D97-AF65-F5344CB8AC3E}">
-        <p14:creationId xmlns:p14="http://schemas.microsoft.com/office/powerpoint/2010/main" val="1953720737"/>
+        <p14:creationId xmlns:p14="http://schemas.microsoft.com/office/powerpoint/2010/main" val="632734230"/>
       </p:ext>
     </p:extLst>
   </p:cSld>
@@ -2763,7 +2763,7 @@
           <p:cNvPr id="2" name="标题占位符 1">
             <a:extLst>
               <a:ext uri="{FF2B5EF4-FFF2-40B4-BE49-F238E27FC236}">
-                <a16:creationId xmlns:a16="http://schemas.microsoft.com/office/drawing/2014/main" id="{E40DE2FA-D825-45CA-0FC5-F36A6B6154D1}"/>
+                <a16:creationId xmlns:a16="http://schemas.microsoft.com/office/drawing/2014/main" id="{BBEBEA75-61E3-674E-AF5C-18CFB3F45911}"/>
               </a:ext>
             </a:extLst>
           </p:cNvPr>
@@ -2801,7 +2801,7 @@
           <p:cNvPr id="3" name="文本占位符 2">
             <a:extLst>
               <a:ext uri="{FF2B5EF4-FFF2-40B4-BE49-F238E27FC236}">
-                <a16:creationId xmlns:a16="http://schemas.microsoft.com/office/drawing/2014/main" id="{391F634A-5209-0BD5-96F9-FB6856229B72}"/>
+                <a16:creationId xmlns:a16="http://schemas.microsoft.com/office/drawing/2014/main" id="{B12E5E91-E5EC-3C09-BB1D-25381762983A}"/>
               </a:ext>
             </a:extLst>
           </p:cNvPr>
@@ -2868,7 +2868,7 @@
           <p:cNvPr id="4" name="日期占位符 3">
             <a:extLst>
               <a:ext uri="{FF2B5EF4-FFF2-40B4-BE49-F238E27FC236}">
-                <a16:creationId xmlns:a16="http://schemas.microsoft.com/office/drawing/2014/main" id="{F4A5E025-7839-B3A3-3A01-A70C5C5DAE4B}"/>
+                <a16:creationId xmlns:a16="http://schemas.microsoft.com/office/drawing/2014/main" id="{36E7D870-D71C-6F8D-23E1-72600BC56CAC}"/>
               </a:ext>
             </a:extLst>
           </p:cNvPr>
@@ -2902,7 +2902,7 @@
             </a:lvl1pPr>
           </a:lstStyle>
           <a:p>
-            <a:fld id="{E572CB38-9B5E-46D9-AC31-16C69DF3F7BF}" type="datetimeFigureOut">
+            <a:fld id="{8FC9776C-5814-4414-A7BF-274DA4F6A0FD}" type="datetimeFigureOut">
               <a:rPr lang="zh-CN" altLang="en-US" smtClean="0"/>
               <a:t>2024/3/10</a:t>
             </a:fld>
@@ -2915,7 +2915,7 @@
           <p:cNvPr id="5" name="页脚占位符 4">
             <a:extLst>
               <a:ext uri="{FF2B5EF4-FFF2-40B4-BE49-F238E27FC236}">
-                <a16:creationId xmlns:a16="http://schemas.microsoft.com/office/drawing/2014/main" id="{4D96D7AF-4C2A-9DB1-54D4-5CD4C9B20E5C}"/>
+                <a16:creationId xmlns:a16="http://schemas.microsoft.com/office/drawing/2014/main" id="{978F79F8-91E6-1C33-1C96-3F7CD02DFB43}"/>
               </a:ext>
             </a:extLst>
           </p:cNvPr>
@@ -2958,7 +2958,7 @@
           <p:cNvPr id="6" name="灯片编号占位符 5">
             <a:extLst>
               <a:ext uri="{FF2B5EF4-FFF2-40B4-BE49-F238E27FC236}">
-                <a16:creationId xmlns:a16="http://schemas.microsoft.com/office/drawing/2014/main" id="{2FB82EB3-E9CF-75A2-7874-C7CEFF77114D}"/>
+                <a16:creationId xmlns:a16="http://schemas.microsoft.com/office/drawing/2014/main" id="{6E969A81-6562-AA20-510A-148FB1C37675}"/>
               </a:ext>
             </a:extLst>
           </p:cNvPr>
@@ -2992,7 +2992,7 @@
             </a:lvl1pPr>
           </a:lstStyle>
           <a:p>
-            <a:fld id="{285E2CE5-A586-47A6-ABD0-21B92F2C373A}" type="slidenum">
+            <a:fld id="{6B1244D2-46AF-4369-A7D2-3990FC9B41C4}" type="slidenum">
               <a:rPr lang="zh-CN" altLang="en-US" smtClean="0"/>
               <a:t>‹#›</a:t>
             </a:fld>
@@ -3003,7 +3003,7 @@
     </p:spTree>
     <p:extLst>
       <p:ext uri="{BB962C8B-B14F-4D97-AF65-F5344CB8AC3E}">
-        <p14:creationId xmlns:p14="http://schemas.microsoft.com/office/powerpoint/2010/main" val="1878772127"/>
+        <p14:creationId xmlns:p14="http://schemas.microsoft.com/office/powerpoint/2010/main" val="265866247"/>
       </p:ext>
     </p:extLst>
   </p:cSld>
@@ -3323,7 +3323,7 @@
       </p:grpSpPr>
       <p:pic>
         <p:nvPicPr>
-          <p:cNvPr id="1384450" name="Picture 2" descr="1351"/>
+          <p:cNvPr id="1385474" name="Picture 2" descr="1352"/>
           <p:cNvPicPr>
             <a:picLocks noChangeAspect="1" noChangeArrowheads="1"/>
           </p:cNvPicPr>
@@ -3344,8 +3344,8 @@
         </p:blipFill>
         <p:spPr bwMode="auto">
           <a:xfrm>
-            <a:off x="1524000" y="1"/>
-            <a:ext cx="9144000" cy="4221163"/>
+            <a:off x="1524000" y="0"/>
+            <a:ext cx="9144000" cy="6858000"/>
           </a:xfrm>
           <a:prstGeom prst="rect">
             <a:avLst/>
@@ -3375,11 +3375,158 @@
           </a:extLst>
         </p:spPr>
       </p:pic>
+      <p:pic>
+        <p:nvPicPr>
+          <p:cNvPr id="1386499" name="Picture 3" descr="1352-2"/>
+          <p:cNvPicPr>
+            <a:picLocks noChangeAspect="1" noChangeArrowheads="1"/>
+          </p:cNvPicPr>
+          <p:nvPr/>
+        </p:nvPicPr>
+        <p:blipFill>
+          <a:blip r:embed="rId3">
+            <a:extLst>
+              <a:ext uri="{28A0092B-C50C-407E-A947-70E740481C1C}">
+                <a14:useLocalDpi xmlns:a14="http://schemas.microsoft.com/office/drawing/2010/main" val="0"/>
+              </a:ext>
+            </a:extLst>
+          </a:blip>
+          <a:srcRect/>
+          <a:stretch>
+            <a:fillRect/>
+          </a:stretch>
+        </p:blipFill>
+        <p:spPr bwMode="auto">
+          <a:xfrm>
+            <a:off x="1524000" y="0"/>
+            <a:ext cx="9144000" cy="6858000"/>
+          </a:xfrm>
+          <a:prstGeom prst="rect">
+            <a:avLst/>
+          </a:prstGeom>
+          <a:noFill/>
+          <a:ln>
+            <a:noFill/>
+          </a:ln>
+          <a:effectLst/>
+          <a:extLst>
+            <a:ext uri="{909E8E84-426E-40DD-AFC4-6F175D3DCCD1}">
+              <a14:hiddenFill xmlns:a14="http://schemas.microsoft.com/office/drawing/2010/main">
+                <a:solidFill>
+                  <a:srgbClr val="FFFFFF"/>
+                </a:solidFill>
+              </a14:hiddenFill>
+            </a:ext>
+            <a:ext uri="{91240B29-F687-4F45-9708-019B960494DF}">
+              <a14:hiddenLine xmlns:a14="http://schemas.microsoft.com/office/drawing/2010/main" w="9525">
+                <a:solidFill>
+                  <a:srgbClr val="000000"/>
+                </a:solidFill>
+                <a:miter lim="800000"/>
+                <a:headEnd/>
+                <a:tailEnd/>
+              </a14:hiddenLine>
+            </a:ext>
+            <a:ext uri="{AF507438-7753-43E0-B8FC-AC1667EBCBE1}">
+              <a14:hiddenEffects xmlns:a14="http://schemas.microsoft.com/office/drawing/2010/main">
+                <a:effectLst>
+                  <a:outerShdw dist="35921" dir="2700000" algn="ctr" rotWithShape="0">
+                    <a:srgbClr val="808080"/>
+                  </a:outerShdw>
+                </a:effectLst>
+              </a14:hiddenEffects>
+            </a:ext>
+          </a:extLst>
+        </p:spPr>
+      </p:pic>
     </p:spTree>
   </p:cSld>
   <p:clrMapOvr>
     <a:masterClrMapping/>
   </p:clrMapOvr>
+  <p:timing>
+    <p:tnLst>
+      <p:par>
+        <p:cTn id="1" dur="indefinite" restart="never" nodeType="tmRoot">
+          <p:childTnLst>
+            <p:seq concurrent="1" nextAc="seek">
+              <p:cTn id="2" dur="indefinite" nodeType="mainSeq">
+                <p:childTnLst>
+                  <p:par>
+                    <p:cTn id="3" fill="hold" nodeType="clickPar">
+                      <p:stCondLst>
+                        <p:cond delay="indefinite"/>
+                      </p:stCondLst>
+                      <p:childTnLst>
+                        <p:par>
+                          <p:cTn id="4" fill="hold" nodeType="withGroup">
+                            <p:stCondLst>
+                              <p:cond delay="0"/>
+                            </p:stCondLst>
+                            <p:childTnLst>
+                              <p:par>
+                                <p:cTn id="5" presetID="10" presetClass="entr" presetSubtype="0" fill="hold" nodeType="clickEffect">
+                                  <p:stCondLst>
+                                    <p:cond delay="0"/>
+                                  </p:stCondLst>
+                                  <p:childTnLst>
+                                    <p:set>
+                                      <p:cBhvr>
+                                        <p:cTn id="6" dur="1" fill="hold">
+                                          <p:stCondLst>
+                                            <p:cond delay="0"/>
+                                          </p:stCondLst>
+                                        </p:cTn>
+                                        <p:tgtEl>
+                                          <p:spTgt spid="1386499"/>
+                                        </p:tgtEl>
+                                        <p:attrNameLst>
+                                          <p:attrName>style.visibility</p:attrName>
+                                        </p:attrNameLst>
+                                      </p:cBhvr>
+                                      <p:to>
+                                        <p:strVal val="visible"/>
+                                      </p:to>
+                                    </p:set>
+                                    <p:animEffect transition="in" filter="fade">
+                                      <p:cBhvr>
+                                        <p:cTn id="7" dur="500"/>
+                                        <p:tgtEl>
+                                          <p:spTgt spid="1386499"/>
+                                        </p:tgtEl>
+                                      </p:cBhvr>
+                                    </p:animEffect>
+                                  </p:childTnLst>
+                                </p:cTn>
+                              </p:par>
+                            </p:childTnLst>
+                          </p:cTn>
+                        </p:par>
+                      </p:childTnLst>
+                    </p:cTn>
+                  </p:par>
+                </p:childTnLst>
+              </p:cTn>
+              <p:prevCondLst>
+                <p:cond evt="onPrev" delay="0">
+                  <p:tgtEl>
+                    <p:sldTgt/>
+                  </p:tgtEl>
+                </p:cond>
+              </p:prevCondLst>
+              <p:nextCondLst>
+                <p:cond evt="onNext" delay="0">
+                  <p:tgtEl>
+                    <p:sldTgt/>
+                  </p:tgtEl>
+                </p:cond>
+              </p:nextCondLst>
+            </p:seq>
+          </p:childTnLst>
+        </p:cTn>
+      </p:par>
+    </p:tnLst>
+  </p:timing>
 </p:sld>
 </file>
 
